--- a/CICD_SharingKowledge.pptx
+++ b/CICD_SharingKowledge.pptx
@@ -2,50 +2,50 @@
 <file path=ppt/presentation.xml><?xml version="1.0" encoding="utf-8"?>
 <p:presentation xmlns:a="http://schemas.openxmlformats.org/drawingml/2006/main" xmlns:r="http://schemas.openxmlformats.org/officeDocument/2006/relationships" xmlns:p="http://schemas.openxmlformats.org/presentationml/2006/main" saveSubsetFonts="1">
   <p:sldMasterIdLst>
-    <p:sldMasterId id="2147483648" r:id="rId1"/>
+    <p:sldMasterId id="2147483648" r:id="rId3"/>
   </p:sldMasterIdLst>
   <p:notesMasterIdLst>
-    <p:notesMasterId r:id="rId40"/>
+    <p:notesMasterId r:id="rId42"/>
   </p:notesMasterIdLst>
   <p:sldIdLst>
-    <p:sldId id="295" r:id="rId2"/>
-    <p:sldId id="328" r:id="rId3"/>
-    <p:sldId id="329" r:id="rId4"/>
-    <p:sldId id="330" r:id="rId5"/>
-    <p:sldId id="331" r:id="rId6"/>
-    <p:sldId id="332" r:id="rId7"/>
-    <p:sldId id="333" r:id="rId8"/>
-    <p:sldId id="336" r:id="rId9"/>
-    <p:sldId id="337" r:id="rId10"/>
-    <p:sldId id="338" r:id="rId11"/>
-    <p:sldId id="342" r:id="rId12"/>
-    <p:sldId id="339" r:id="rId13"/>
-    <p:sldId id="340" r:id="rId14"/>
-    <p:sldId id="341" r:id="rId15"/>
-    <p:sldId id="343" r:id="rId16"/>
-    <p:sldId id="344" r:id="rId17"/>
-    <p:sldId id="359" r:id="rId18"/>
-    <p:sldId id="334" r:id="rId19"/>
-    <p:sldId id="335" r:id="rId20"/>
-    <p:sldId id="345" r:id="rId21"/>
-    <p:sldId id="346" r:id="rId22"/>
-    <p:sldId id="347" r:id="rId23"/>
-    <p:sldId id="348" r:id="rId24"/>
-    <p:sldId id="349" r:id="rId25"/>
-    <p:sldId id="350" r:id="rId26"/>
-    <p:sldId id="351" r:id="rId27"/>
-    <p:sldId id="360" r:id="rId28"/>
-    <p:sldId id="361" r:id="rId29"/>
-    <p:sldId id="362" r:id="rId30"/>
-    <p:sldId id="363" r:id="rId31"/>
-    <p:sldId id="364" r:id="rId32"/>
-    <p:sldId id="365" r:id="rId33"/>
-    <p:sldId id="367" r:id="rId34"/>
-    <p:sldId id="368" r:id="rId35"/>
-    <p:sldId id="369" r:id="rId36"/>
-    <p:sldId id="370" r:id="rId37"/>
-    <p:sldId id="357" r:id="rId38"/>
-    <p:sldId id="317" r:id="rId39"/>
+    <p:sldId id="295" r:id="rId4"/>
+    <p:sldId id="328" r:id="rId5"/>
+    <p:sldId id="329" r:id="rId6"/>
+    <p:sldId id="330" r:id="rId7"/>
+    <p:sldId id="331" r:id="rId8"/>
+    <p:sldId id="332" r:id="rId9"/>
+    <p:sldId id="333" r:id="rId10"/>
+    <p:sldId id="336" r:id="rId11"/>
+    <p:sldId id="337" r:id="rId12"/>
+    <p:sldId id="338" r:id="rId13"/>
+    <p:sldId id="342" r:id="rId14"/>
+    <p:sldId id="339" r:id="rId15"/>
+    <p:sldId id="340" r:id="rId16"/>
+    <p:sldId id="341" r:id="rId17"/>
+    <p:sldId id="343" r:id="rId18"/>
+    <p:sldId id="344" r:id="rId19"/>
+    <p:sldId id="359" r:id="rId20"/>
+    <p:sldId id="334" r:id="rId21"/>
+    <p:sldId id="335" r:id="rId22"/>
+    <p:sldId id="345" r:id="rId23"/>
+    <p:sldId id="346" r:id="rId24"/>
+    <p:sldId id="347" r:id="rId25"/>
+    <p:sldId id="348" r:id="rId26"/>
+    <p:sldId id="349" r:id="rId27"/>
+    <p:sldId id="350" r:id="rId28"/>
+    <p:sldId id="351" r:id="rId29"/>
+    <p:sldId id="360" r:id="rId30"/>
+    <p:sldId id="361" r:id="rId31"/>
+    <p:sldId id="362" r:id="rId32"/>
+    <p:sldId id="363" r:id="rId33"/>
+    <p:sldId id="364" r:id="rId34"/>
+    <p:sldId id="365" r:id="rId35"/>
+    <p:sldId id="367" r:id="rId36"/>
+    <p:sldId id="368" r:id="rId37"/>
+    <p:sldId id="369" r:id="rId38"/>
+    <p:sldId id="370" r:id="rId39"/>
+    <p:sldId id="357" r:id="rId40"/>
+    <p:sldId id="317" r:id="rId41"/>
   </p:sldIdLst>
   <p:sldSz cx="12192000" cy="6858000"/>
   <p:notesSz cx="6858000" cy="9144000"/>
@@ -234,7 +234,7 @@
           <a:p>
             <a:fld id="{57F4C95F-E8F4-4311-B184-38400469065A}" type="datetimeFigureOut">
               <a:rPr lang="en-US" smtClean="0"/>
-              <a:t>3/24/2023</a:t>
+              <a:t>10/19/2023</a:t>
             </a:fld>
             <a:endParaRPr lang="en-US"/>
           </a:p>
@@ -16519,7 +16519,7 @@
         <p:spPr>
           <a:xfrm>
             <a:off x="665114" y="1892922"/>
-            <a:ext cx="4221019" cy="2308324"/>
+            <a:ext cx="4647719" cy="2031325"/>
           </a:xfrm>
           <a:prstGeom prst="rect">
             <a:avLst/>
@@ -22951,9 +22951,27 @@
 </file>
 
 <file path=customXml/itemProps1.xml><?xml version="1.0" encoding="utf-8"?>
-<ds:datastoreItem xmlns:ds="http://schemas.openxmlformats.org/officeDocument/2006/customXml" ds:itemID="{E6FF1500-78DD-4F5C-950E-4C2ABA6FB548}"/>
+<ds:datastoreItem xmlns:ds="http://schemas.openxmlformats.org/officeDocument/2006/customXml" ds:itemID="{E6FF1500-78DD-4F5C-950E-4C2ABA6FB548}">
+  <ds:schemaRefs>
+    <ds:schemaRef ds:uri="http://schemas.microsoft.com/office/2006/metadata/contentType"/>
+    <ds:schemaRef ds:uri="http://schemas.microsoft.com/office/2006/metadata/properties/metaAttributes"/>
+    <ds:schemaRef ds:uri="http://www.w3.org/2001/XMLSchema"/>
+    <ds:schemaRef ds:uri="http://schemas.microsoft.com/office/2006/metadata/properties"/>
+    <ds:schemaRef ds:uri="d1659bb4-2fae-4a42-b1e3-f43f4c4e0284"/>
+    <ds:schemaRef ds:uri="http://schemas.microsoft.com/office/2006/documentManagement/types"/>
+    <ds:schemaRef ds:uri="http://schemas.microsoft.com/office/infopath/2007/PartnerControls"/>
+    <ds:schemaRef ds:uri="http://schemas.openxmlformats.org/package/2006/metadata/core-properties"/>
+    <ds:schemaRef ds:uri="http://purl.org/dc/elements/1.1/"/>
+    <ds:schemaRef ds:uri="http://purl.org/dc/terms/"/>
+    <ds:schemaRef ds:uri="http://schemas.microsoft.com/internal/obd"/>
+  </ds:schemaRefs>
+</ds:datastoreItem>
 </file>
 
 <file path=customXml/itemProps2.xml><?xml version="1.0" encoding="utf-8"?>
-<ds:datastoreItem xmlns:ds="http://schemas.openxmlformats.org/officeDocument/2006/customXml" ds:itemID="{58635BE1-D3B0-4167-97E3-D74B9F3B166A}"/>
+<ds:datastoreItem xmlns:ds="http://schemas.openxmlformats.org/officeDocument/2006/customXml" ds:itemID="{58635BE1-D3B0-4167-97E3-D74B9F3B166A}">
+  <ds:schemaRefs>
+    <ds:schemaRef ds:uri="http://schemas.microsoft.com/sharepoint/v3/contenttype/forms"/>
+  </ds:schemaRefs>
+</ds:datastoreItem>
 </file>